--- a/1 am/1 استخدام الحاسوب/تنظيم المعلومات في الحاسوب 3/cours 11/عرض الدرس.pptx
+++ b/1 am/1 استخدام الحاسوب/تنظيم المعلومات في الحاسوب 3/cours 11/عرض الدرس.pptx
@@ -250,7 +250,7 @@
           <a:p>
             <a:fld id="{33E46DBA-FA3B-4C5F-B700-4671668DAB72}" type="datetimeFigureOut">
               <a:rPr lang="fr-FR" smtClean="0"/>
-              <a:t>15/03/2025</a:t>
+              <a:t>03/04/2025</a:t>
             </a:fld>
             <a:endParaRPr lang="fr-FR"/>
           </a:p>
@@ -420,7 +420,7 @@
           <a:p>
             <a:fld id="{33E46DBA-FA3B-4C5F-B700-4671668DAB72}" type="datetimeFigureOut">
               <a:rPr lang="fr-FR" smtClean="0"/>
-              <a:t>15/03/2025</a:t>
+              <a:t>03/04/2025</a:t>
             </a:fld>
             <a:endParaRPr lang="fr-FR"/>
           </a:p>
@@ -600,7 +600,7 @@
           <a:p>
             <a:fld id="{33E46DBA-FA3B-4C5F-B700-4671668DAB72}" type="datetimeFigureOut">
               <a:rPr lang="fr-FR" smtClean="0"/>
-              <a:t>15/03/2025</a:t>
+              <a:t>03/04/2025</a:t>
             </a:fld>
             <a:endParaRPr lang="fr-FR"/>
           </a:p>
@@ -770,7 +770,7 @@
           <a:p>
             <a:fld id="{33E46DBA-FA3B-4C5F-B700-4671668DAB72}" type="datetimeFigureOut">
               <a:rPr lang="fr-FR" smtClean="0"/>
-              <a:t>15/03/2025</a:t>
+              <a:t>03/04/2025</a:t>
             </a:fld>
             <a:endParaRPr lang="fr-FR"/>
           </a:p>
@@ -1016,7 +1016,7 @@
           <a:p>
             <a:fld id="{33E46DBA-FA3B-4C5F-B700-4671668DAB72}" type="datetimeFigureOut">
               <a:rPr lang="fr-FR" smtClean="0"/>
-              <a:t>15/03/2025</a:t>
+              <a:t>03/04/2025</a:t>
             </a:fld>
             <a:endParaRPr lang="fr-FR"/>
           </a:p>
@@ -1248,7 +1248,7 @@
           <a:p>
             <a:fld id="{33E46DBA-FA3B-4C5F-B700-4671668DAB72}" type="datetimeFigureOut">
               <a:rPr lang="fr-FR" smtClean="0"/>
-              <a:t>15/03/2025</a:t>
+              <a:t>03/04/2025</a:t>
             </a:fld>
             <a:endParaRPr lang="fr-FR"/>
           </a:p>
@@ -1615,7 +1615,7 @@
           <a:p>
             <a:fld id="{33E46DBA-FA3B-4C5F-B700-4671668DAB72}" type="datetimeFigureOut">
               <a:rPr lang="fr-FR" smtClean="0"/>
-              <a:t>15/03/2025</a:t>
+              <a:t>03/04/2025</a:t>
             </a:fld>
             <a:endParaRPr lang="fr-FR"/>
           </a:p>
@@ -1733,7 +1733,7 @@
           <a:p>
             <a:fld id="{33E46DBA-FA3B-4C5F-B700-4671668DAB72}" type="datetimeFigureOut">
               <a:rPr lang="fr-FR" smtClean="0"/>
-              <a:t>15/03/2025</a:t>
+              <a:t>03/04/2025</a:t>
             </a:fld>
             <a:endParaRPr lang="fr-FR"/>
           </a:p>
@@ -1828,7 +1828,7 @@
           <a:p>
             <a:fld id="{33E46DBA-FA3B-4C5F-B700-4671668DAB72}" type="datetimeFigureOut">
               <a:rPr lang="fr-FR" smtClean="0"/>
-              <a:t>15/03/2025</a:t>
+              <a:t>03/04/2025</a:t>
             </a:fld>
             <a:endParaRPr lang="fr-FR"/>
           </a:p>
@@ -2105,7 +2105,7 @@
           <a:p>
             <a:fld id="{33E46DBA-FA3B-4C5F-B700-4671668DAB72}" type="datetimeFigureOut">
               <a:rPr lang="fr-FR" smtClean="0"/>
-              <a:t>15/03/2025</a:t>
+              <a:t>03/04/2025</a:t>
             </a:fld>
             <a:endParaRPr lang="fr-FR"/>
           </a:p>
@@ -2358,7 +2358,7 @@
           <a:p>
             <a:fld id="{33E46DBA-FA3B-4C5F-B700-4671668DAB72}" type="datetimeFigureOut">
               <a:rPr lang="fr-FR" smtClean="0"/>
-              <a:t>15/03/2025</a:t>
+              <a:t>03/04/2025</a:t>
             </a:fld>
             <a:endParaRPr lang="fr-FR"/>
           </a:p>
@@ -2571,7 +2571,7 @@
           <a:p>
             <a:fld id="{33E46DBA-FA3B-4C5F-B700-4671668DAB72}" type="datetimeFigureOut">
               <a:rPr lang="fr-FR" smtClean="0"/>
-              <a:t>15/03/2025</a:t>
+              <a:t>03/04/2025</a:t>
             </a:fld>
             <a:endParaRPr lang="fr-FR"/>
           </a:p>
@@ -4043,7 +4043,15 @@
             </a:pPr>
             <a:r>
               <a:rPr lang="ar-SA" sz="3600" dirty="0"/>
-              <a:t>احتجت الى نقل المجلد " صور" و وضعه في القرص </a:t>
+              <a:t>احتجت الى نقل المجلد </a:t>
+            </a:r>
+            <a:r>
+              <a:rPr lang="ar-SA" sz="3600" dirty="0" smtClean="0"/>
+              <a:t>"صور</a:t>
+            </a:r>
+            <a:r>
+              <a:rPr lang="ar-SA" sz="3600" dirty="0"/>
+              <a:t>" و وضعه في القرص </a:t>
             </a:r>
             <a:r>
               <a:rPr lang="fr-FR" sz="3600" dirty="0"/>
